--- a/University_of_Waterloo/Fall_2021/MATH135/UW_Fall2021_MATH135_Lecture14.pptx
+++ b/University_of_Waterloo/Fall_2021/MATH135/UW_Fall2021_MATH135_Lecture14.pptx
@@ -5,7 +5,7 @@
     <p:sldMasterId id="2147483648" r:id="rId1"/>
   </p:sldMasterIdLst>
   <p:notesMasterIdLst>
-    <p:notesMasterId r:id="rId15"/>
+    <p:notesMasterId r:id="rId16"/>
   </p:notesMasterIdLst>
   <p:sldIdLst>
     <p:sldId id="426" r:id="rId2"/>
@@ -16,11 +16,12 @@
     <p:sldId id="436" r:id="rId7"/>
     <p:sldId id="366" r:id="rId8"/>
     <p:sldId id="430" r:id="rId9"/>
-    <p:sldId id="433" r:id="rId10"/>
-    <p:sldId id="434" r:id="rId11"/>
-    <p:sldId id="435" r:id="rId12"/>
-    <p:sldId id="431" r:id="rId13"/>
-    <p:sldId id="443" r:id="rId14"/>
+    <p:sldId id="445" r:id="rId10"/>
+    <p:sldId id="433" r:id="rId11"/>
+    <p:sldId id="434" r:id="rId12"/>
+    <p:sldId id="435" r:id="rId13"/>
+    <p:sldId id="431" r:id="rId14"/>
+    <p:sldId id="443" r:id="rId15"/>
   </p:sldIdLst>
   <p:sldSz cx="12192000" cy="6858000"/>
   <p:notesSz cx="6858000" cy="9144000"/>
@@ -209,7 +210,7 @@
           <a:p>
             <a:fld id="{FDFA072B-9469-468D-A7B7-ED2DE3498A74}" type="datetimeFigureOut">
               <a:rPr lang="en-US" smtClean="0"/>
-              <a:t>10/14/2021</a:t>
+              <a:t>10/16/2021</a:t>
             </a:fld>
             <a:endParaRPr lang="en-US"/>
           </a:p>
@@ -709,7 +710,7 @@
           <a:p>
             <a:fld id="{CF3170AD-C141-490C-99B6-D86CEC071EE0}" type="slidenum">
               <a:rPr lang="en-US" smtClean="0"/>
-              <a:t>13</a:t>
+              <a:t>14</a:t>
             </a:fld>
             <a:endParaRPr lang="en-US"/>
           </a:p>
@@ -875,7 +876,7 @@
           <a:p>
             <a:fld id="{1C2423CD-2273-4DC4-8E3F-83883238502A}" type="datetime1">
               <a:rPr lang="en-US" smtClean="0"/>
-              <a:t>10/14/2021</a:t>
+              <a:t>10/16/2021</a:t>
             </a:fld>
             <a:endParaRPr lang="en-US"/>
           </a:p>
@@ -1052,7 +1053,7 @@
           <a:p>
             <a:fld id="{798285AA-0DCE-4B51-9123-EC4AC79557F9}" type="datetime1">
               <a:rPr lang="en-US" smtClean="0"/>
-              <a:t>10/14/2021</a:t>
+              <a:t>10/16/2021</a:t>
             </a:fld>
             <a:endParaRPr lang="en-US"/>
           </a:p>
@@ -1264,7 +1265,7 @@
           <a:p>
             <a:fld id="{1BCBA4FB-A7F6-42FA-8CC6-75C3908C54C0}" type="datetime1">
               <a:rPr lang="en-US" smtClean="0"/>
-              <a:t>10/14/2021</a:t>
+              <a:t>10/16/2021</a:t>
             </a:fld>
             <a:endParaRPr lang="en-US"/>
           </a:p>
@@ -1466,7 +1467,7 @@
           <a:p>
             <a:fld id="{FF98B6DF-C511-453D-80D1-6A936F24DDAD}" type="datetime1">
               <a:rPr lang="en-US" smtClean="0"/>
-              <a:t>10/14/2021</a:t>
+              <a:t>10/16/2021</a:t>
             </a:fld>
             <a:endParaRPr lang="en-US"/>
           </a:p>
@@ -1745,7 +1746,7 @@
           <a:p>
             <a:fld id="{4589B1C4-3072-46BA-82C6-A48724D00CAB}" type="datetime1">
               <a:rPr lang="en-US" smtClean="0"/>
-              <a:t>10/14/2021</a:t>
+              <a:t>10/16/2021</a:t>
             </a:fld>
             <a:endParaRPr lang="en-US"/>
           </a:p>
@@ -2014,7 +2015,7 @@
           <a:p>
             <a:fld id="{76F95E83-A363-46BB-8E14-19BADAC5D9FE}" type="datetime1">
               <a:rPr lang="en-US" smtClean="0"/>
-              <a:t>10/14/2021</a:t>
+              <a:t>10/16/2021</a:t>
             </a:fld>
             <a:endParaRPr lang="en-US"/>
           </a:p>
@@ -2430,7 +2431,7 @@
           <a:p>
             <a:fld id="{97442E9A-7D8A-46F5-9106-F2FD57E08547}" type="datetime1">
               <a:rPr lang="en-US" smtClean="0"/>
-              <a:t>10/14/2021</a:t>
+              <a:t>10/16/2021</a:t>
             </a:fld>
             <a:endParaRPr lang="en-US"/>
           </a:p>
@@ -2575,7 +2576,7 @@
           <a:p>
             <a:fld id="{9A7168F9-25D4-43D1-9D40-3A911DA1FF47}" type="datetime1">
               <a:rPr lang="en-US" smtClean="0"/>
-              <a:t>10/14/2021</a:t>
+              <a:t>10/16/2021</a:t>
             </a:fld>
             <a:endParaRPr lang="en-US"/>
           </a:p>
@@ -2692,7 +2693,7 @@
           <a:p>
             <a:fld id="{C40F1D92-52DE-4FA4-BF89-650DC17B91CE}" type="datetime1">
               <a:rPr lang="en-US" smtClean="0"/>
-              <a:t>10/14/2021</a:t>
+              <a:t>10/16/2021</a:t>
             </a:fld>
             <a:endParaRPr lang="en-US"/>
           </a:p>
@@ -3007,7 +3008,7 @@
           <a:p>
             <a:fld id="{FD36810C-E8AC-4C34-BC13-2B0240CC477A}" type="datetime1">
               <a:rPr lang="en-US" smtClean="0"/>
-              <a:t>10/14/2021</a:t>
+              <a:t>10/16/2021</a:t>
             </a:fld>
             <a:endParaRPr lang="en-US"/>
           </a:p>
@@ -3299,7 +3300,7 @@
           <a:p>
             <a:fld id="{83FFA161-7F83-4796-A0A2-12AE4E5369DE}" type="datetime1">
               <a:rPr lang="en-US" smtClean="0"/>
-              <a:t>10/14/2021</a:t>
+              <a:t>10/16/2021</a:t>
             </a:fld>
             <a:endParaRPr lang="en-US"/>
           </a:p>
@@ -3544,7 +3545,7 @@
           <a:p>
             <a:fld id="{2838366F-C4C1-4766-8824-82CE78B09586}" type="datetime1">
               <a:rPr lang="en-US" smtClean="0"/>
-              <a:t>10/14/2021</a:t>
+              <a:t>10/16/2021</a:t>
             </a:fld>
             <a:endParaRPr lang="en-US"/>
           </a:p>
@@ -4994,6 +4995,1711 @@
       </p:sp>
       <p:pic>
         <p:nvPicPr>
+          <p:cNvPr id="18" name="Picture 17">
+            <a:extLst>
+              <a:ext uri="{FF2B5EF4-FFF2-40B4-BE49-F238E27FC236}">
+                <a16:creationId xmlns:a16="http://schemas.microsoft.com/office/drawing/2014/main" id="{1FCBACEB-A57E-486A-BD65-F953F5480095}"/>
+              </a:ext>
+            </a:extLst>
+          </p:cNvPr>
+          <p:cNvPicPr>
+            <a:picLocks noChangeAspect="1"/>
+          </p:cNvPicPr>
+          <p:nvPr/>
+        </p:nvPicPr>
+        <p:blipFill>
+          <a:blip r:embed="rId2"/>
+          <a:stretch>
+            <a:fillRect/>
+          </a:stretch>
+        </p:blipFill>
+        <p:spPr>
+          <a:xfrm>
+            <a:off x="-45196" y="0"/>
+            <a:ext cx="12192000" cy="1356637"/>
+          </a:xfrm>
+          <a:prstGeom prst="rect">
+            <a:avLst/>
+          </a:prstGeom>
+        </p:spPr>
+      </p:pic>
+      <p:sp>
+        <p:nvSpPr>
+          <p:cNvPr id="17" name="TextBox 16">
+            <a:extLst>
+              <a:ext uri="{FF2B5EF4-FFF2-40B4-BE49-F238E27FC236}">
+                <a16:creationId xmlns:a16="http://schemas.microsoft.com/office/drawing/2014/main" id="{732058C7-910B-47DF-8654-6266F885FDA6}"/>
+              </a:ext>
+            </a:extLst>
+          </p:cNvPr>
+          <p:cNvSpPr txBox="1"/>
+          <p:nvPr/>
+        </p:nvSpPr>
+        <p:spPr>
+          <a:xfrm>
+            <a:off x="137834" y="1622227"/>
+            <a:ext cx="12099533" cy="4524315"/>
+          </a:xfrm>
+          <a:prstGeom prst="rect">
+            <a:avLst/>
+          </a:prstGeom>
+          <a:noFill/>
+        </p:spPr>
+        <p:txBody>
+          <a:bodyPr wrap="square" rtlCol="0">
+            <a:spAutoFit/>
+          </a:bodyPr>
+          <a:lstStyle/>
+          <a:p>
+            <a:r>
+              <a:rPr lang="en-US" dirty="0"/>
+              <a:t>a | b =&gt; a</a:t>
+            </a:r>
+            <a:r>
+              <a:rPr lang="en-US" baseline="30000" dirty="0"/>
+              <a:t>3</a:t>
+            </a:r>
+            <a:r>
+              <a:rPr lang="en-US" dirty="0"/>
+              <a:t> | b</a:t>
+            </a:r>
+            <a:r>
+              <a:rPr lang="en-US" baseline="30000" dirty="0"/>
+              <a:t>3</a:t>
+            </a:r>
+            <a:r>
+              <a:rPr lang="en-US" dirty="0"/>
+              <a:t>  </a:t>
+            </a:r>
+          </a:p>
+          <a:p>
+            <a:endParaRPr lang="en-US" baseline="30000" dirty="0"/>
+          </a:p>
+          <a:p>
+            <a:r>
+              <a:rPr lang="en-US" baseline="30000" dirty="0"/>
+              <a:t>	</a:t>
+            </a:r>
+            <a:r>
+              <a:rPr lang="en-US" dirty="0"/>
+              <a:t>b = k a, so b</a:t>
+            </a:r>
+            <a:r>
+              <a:rPr lang="en-US" baseline="30000" dirty="0"/>
+              <a:t>3</a:t>
+            </a:r>
+            <a:r>
+              <a:rPr lang="en-US" dirty="0"/>
+              <a:t> = k</a:t>
+            </a:r>
+            <a:r>
+              <a:rPr lang="en-US" baseline="30000" dirty="0"/>
+              <a:t>3</a:t>
+            </a:r>
+            <a:r>
+              <a:rPr lang="en-US" dirty="0"/>
+              <a:t>a</a:t>
+            </a:r>
+            <a:r>
+              <a:rPr lang="en-US" baseline="30000" dirty="0"/>
+              <a:t>3</a:t>
+            </a:r>
+            <a:r>
+              <a:rPr lang="en-US" dirty="0"/>
+              <a:t> </a:t>
+            </a:r>
+          </a:p>
+          <a:p>
+            <a:r>
+              <a:rPr lang="en-US" dirty="0"/>
+              <a:t>	k</a:t>
+            </a:r>
+            <a:r>
+              <a:rPr lang="en-US" baseline="30000" dirty="0"/>
+              <a:t>3</a:t>
+            </a:r>
+            <a:r>
+              <a:rPr lang="en-US" dirty="0"/>
+              <a:t> is an integer, so a</a:t>
+            </a:r>
+            <a:r>
+              <a:rPr lang="en-US" baseline="30000" dirty="0"/>
+              <a:t>3</a:t>
+            </a:r>
+            <a:r>
+              <a:rPr lang="en-US" dirty="0"/>
+              <a:t> | b</a:t>
+            </a:r>
+            <a:r>
+              <a:rPr lang="en-US" baseline="30000" dirty="0"/>
+              <a:t>3</a:t>
+            </a:r>
+            <a:r>
+              <a:rPr lang="en-US" dirty="0"/>
+              <a:t>  with k</a:t>
+            </a:r>
+            <a:r>
+              <a:rPr lang="en-US" baseline="30000" dirty="0"/>
+              <a:t>3</a:t>
+            </a:r>
+            <a:r>
+              <a:rPr lang="en-US" dirty="0"/>
+              <a:t> the constant.</a:t>
+            </a:r>
+          </a:p>
+          <a:p>
+            <a:endParaRPr lang="en-US" dirty="0"/>
+          </a:p>
+          <a:p>
+            <a:r>
+              <a:rPr lang="en-US" dirty="0"/>
+              <a:t>a</a:t>
+            </a:r>
+            <a:r>
+              <a:rPr lang="en-US" baseline="30000" dirty="0"/>
+              <a:t>3</a:t>
+            </a:r>
+            <a:r>
+              <a:rPr lang="en-US" dirty="0"/>
+              <a:t> | b</a:t>
+            </a:r>
+            <a:r>
+              <a:rPr lang="en-US" baseline="30000" dirty="0"/>
+              <a:t>3  </a:t>
+            </a:r>
+            <a:r>
+              <a:rPr lang="en-US" dirty="0"/>
+              <a:t>=&gt;  a | b </a:t>
+            </a:r>
+          </a:p>
+          <a:p>
+            <a:endParaRPr lang="en-US" baseline="30000" dirty="0"/>
+          </a:p>
+          <a:p>
+            <a:r>
+              <a:rPr lang="en-US" dirty="0">
+                <a:solidFill>
+                  <a:schemeClr val="bg1"/>
+                </a:solidFill>
+              </a:rPr>
+              <a:t>	b = </a:t>
+            </a:r>
+            <a:r>
+              <a:rPr lang="en-US" baseline="30000" dirty="0">
+                <a:solidFill>
+                  <a:schemeClr val="bg1"/>
+                </a:solidFill>
+              </a:rPr>
+              <a:t> </a:t>
+            </a:r>
+            <a:r>
+              <a:rPr lang="en-US" dirty="0">
+                <a:solidFill>
+                  <a:schemeClr val="bg1"/>
+                </a:solidFill>
+              </a:rPr>
+              <a:t>p</a:t>
+            </a:r>
+            <a:r>
+              <a:rPr lang="en-US" baseline="-25000" dirty="0">
+                <a:solidFill>
+                  <a:schemeClr val="bg1"/>
+                </a:solidFill>
+              </a:rPr>
+              <a:t>1</a:t>
+            </a:r>
+            <a:r>
+              <a:rPr lang="en-US" dirty="0">
+                <a:solidFill>
+                  <a:schemeClr val="bg1"/>
+                </a:solidFill>
+              </a:rPr>
+              <a:t> p</a:t>
+            </a:r>
+            <a:r>
+              <a:rPr lang="en-US" baseline="-25000" dirty="0">
+                <a:solidFill>
+                  <a:schemeClr val="bg1"/>
+                </a:solidFill>
+              </a:rPr>
+              <a:t>2</a:t>
+            </a:r>
+            <a:r>
+              <a:rPr lang="en-US" dirty="0">
+                <a:solidFill>
+                  <a:schemeClr val="bg1"/>
+                </a:solidFill>
+              </a:rPr>
+              <a:t> … </a:t>
+            </a:r>
+            <a:r>
+              <a:rPr lang="en-US" dirty="0" err="1">
+                <a:solidFill>
+                  <a:schemeClr val="bg1"/>
+                </a:solidFill>
+              </a:rPr>
+              <a:t>p</a:t>
+            </a:r>
+            <a:r>
+              <a:rPr lang="en-US" baseline="-25000" dirty="0" err="1">
+                <a:solidFill>
+                  <a:schemeClr val="bg1"/>
+                </a:solidFill>
+              </a:rPr>
+              <a:t>n</a:t>
+            </a:r>
+            <a:r>
+              <a:rPr lang="en-US" baseline="-25000" dirty="0">
+                <a:solidFill>
+                  <a:schemeClr val="bg1"/>
+                </a:solidFill>
+              </a:rPr>
+              <a:t> </a:t>
+            </a:r>
+            <a:r>
+              <a:rPr lang="en-US" dirty="0">
+                <a:solidFill>
+                  <a:schemeClr val="bg1"/>
+                </a:solidFill>
+              </a:rPr>
+              <a:t> (prime factorization)</a:t>
+            </a:r>
+            <a:endParaRPr lang="en-US" baseline="-25000" dirty="0">
+              <a:solidFill>
+                <a:schemeClr val="bg1"/>
+              </a:solidFill>
+            </a:endParaRPr>
+          </a:p>
+          <a:p>
+            <a:r>
+              <a:rPr lang="en-US" dirty="0">
+                <a:solidFill>
+                  <a:schemeClr val="bg1"/>
+                </a:solidFill>
+              </a:rPr>
+              <a:t>	a = q</a:t>
+            </a:r>
+            <a:r>
+              <a:rPr lang="en-US" baseline="-25000" dirty="0">
+                <a:solidFill>
+                  <a:schemeClr val="bg1"/>
+                </a:solidFill>
+              </a:rPr>
+              <a:t>1</a:t>
+            </a:r>
+            <a:r>
+              <a:rPr lang="en-US" dirty="0">
+                <a:solidFill>
+                  <a:schemeClr val="bg1"/>
+                </a:solidFill>
+              </a:rPr>
+              <a:t> q</a:t>
+            </a:r>
+            <a:r>
+              <a:rPr lang="en-US" baseline="-25000" dirty="0">
+                <a:solidFill>
+                  <a:schemeClr val="bg1"/>
+                </a:solidFill>
+              </a:rPr>
+              <a:t>2</a:t>
+            </a:r>
+            <a:r>
+              <a:rPr lang="en-US" dirty="0">
+                <a:solidFill>
+                  <a:schemeClr val="bg1"/>
+                </a:solidFill>
+              </a:rPr>
+              <a:t> … </a:t>
+            </a:r>
+            <a:r>
+              <a:rPr lang="en-US" dirty="0" err="1">
+                <a:solidFill>
+                  <a:schemeClr val="bg1"/>
+                </a:solidFill>
+              </a:rPr>
+              <a:t>q</a:t>
+            </a:r>
+            <a:r>
+              <a:rPr lang="en-US" baseline="-25000" dirty="0" err="1">
+                <a:solidFill>
+                  <a:schemeClr val="bg1"/>
+                </a:solidFill>
+              </a:rPr>
+              <a:t>n</a:t>
+            </a:r>
+            <a:r>
+              <a:rPr lang="en-US" dirty="0">
+                <a:solidFill>
+                  <a:schemeClr val="bg1"/>
+                </a:solidFill>
+              </a:rPr>
+              <a:t> (prime factorization)</a:t>
+            </a:r>
+          </a:p>
+          <a:p>
+            <a:endParaRPr lang="en-US" baseline="-25000" dirty="0">
+              <a:solidFill>
+                <a:schemeClr val="bg1"/>
+              </a:solidFill>
+            </a:endParaRPr>
+          </a:p>
+          <a:p>
+            <a:r>
+              <a:rPr lang="en-US" baseline="-25000" dirty="0">
+                <a:solidFill>
+                  <a:schemeClr val="bg1"/>
+                </a:solidFill>
+              </a:rPr>
+              <a:t>	</a:t>
+            </a:r>
+            <a:r>
+              <a:rPr lang="en-US" dirty="0">
+                <a:solidFill>
+                  <a:schemeClr val="bg1"/>
+                </a:solidFill>
+              </a:rPr>
+              <a:t>b</a:t>
+            </a:r>
+            <a:r>
+              <a:rPr lang="en-US" baseline="30000" dirty="0">
+                <a:solidFill>
+                  <a:schemeClr val="bg1"/>
+                </a:solidFill>
+              </a:rPr>
+              <a:t>3 </a:t>
+            </a:r>
+            <a:r>
+              <a:rPr lang="en-US" dirty="0">
+                <a:solidFill>
+                  <a:schemeClr val="bg1"/>
+                </a:solidFill>
+              </a:rPr>
+              <a:t>= </a:t>
+            </a:r>
+            <a:r>
+              <a:rPr lang="en-US" baseline="30000" dirty="0">
+                <a:solidFill>
+                  <a:schemeClr val="bg1"/>
+                </a:solidFill>
+              </a:rPr>
+              <a:t> </a:t>
+            </a:r>
+            <a:r>
+              <a:rPr lang="en-US" dirty="0">
+                <a:solidFill>
+                  <a:schemeClr val="bg1"/>
+                </a:solidFill>
+              </a:rPr>
+              <a:t>p</a:t>
+            </a:r>
+            <a:r>
+              <a:rPr lang="en-US" baseline="30000" dirty="0">
+                <a:solidFill>
+                  <a:schemeClr val="bg1"/>
+                </a:solidFill>
+              </a:rPr>
+              <a:t>3</a:t>
+            </a:r>
+            <a:r>
+              <a:rPr lang="en-US" baseline="-25000" dirty="0">
+                <a:solidFill>
+                  <a:schemeClr val="bg1"/>
+                </a:solidFill>
+              </a:rPr>
+              <a:t>1</a:t>
+            </a:r>
+            <a:r>
+              <a:rPr lang="en-US" dirty="0">
+                <a:solidFill>
+                  <a:schemeClr val="bg1"/>
+                </a:solidFill>
+              </a:rPr>
+              <a:t> p</a:t>
+            </a:r>
+            <a:r>
+              <a:rPr lang="en-US" baseline="30000" dirty="0">
+                <a:solidFill>
+                  <a:schemeClr val="bg1"/>
+                </a:solidFill>
+              </a:rPr>
+              <a:t>3</a:t>
+            </a:r>
+            <a:r>
+              <a:rPr lang="en-US" baseline="-25000" dirty="0">
+                <a:solidFill>
+                  <a:schemeClr val="bg1"/>
+                </a:solidFill>
+              </a:rPr>
+              <a:t>2</a:t>
+            </a:r>
+            <a:r>
+              <a:rPr lang="en-US" dirty="0">
+                <a:solidFill>
+                  <a:schemeClr val="bg1"/>
+                </a:solidFill>
+              </a:rPr>
+              <a:t> … p</a:t>
+            </a:r>
+            <a:r>
+              <a:rPr lang="en-US" baseline="30000" dirty="0">
+                <a:solidFill>
+                  <a:schemeClr val="bg1"/>
+                </a:solidFill>
+              </a:rPr>
+              <a:t>3</a:t>
+            </a:r>
+            <a:r>
+              <a:rPr lang="en-US" baseline="-25000" dirty="0">
+                <a:solidFill>
+                  <a:schemeClr val="bg1"/>
+                </a:solidFill>
+              </a:rPr>
+              <a:t>n </a:t>
+            </a:r>
+          </a:p>
+          <a:p>
+            <a:r>
+              <a:rPr lang="en-US" dirty="0">
+                <a:solidFill>
+                  <a:schemeClr val="bg1"/>
+                </a:solidFill>
+              </a:rPr>
+              <a:t>	a</a:t>
+            </a:r>
+            <a:r>
+              <a:rPr lang="en-US" baseline="30000" dirty="0">
+                <a:solidFill>
+                  <a:schemeClr val="bg1"/>
+                </a:solidFill>
+              </a:rPr>
+              <a:t>3 </a:t>
+            </a:r>
+            <a:r>
+              <a:rPr lang="en-US" dirty="0">
+                <a:solidFill>
+                  <a:schemeClr val="bg1"/>
+                </a:solidFill>
+              </a:rPr>
+              <a:t>=  p</a:t>
+            </a:r>
+            <a:r>
+              <a:rPr lang="en-US" baseline="-25000" dirty="0">
+                <a:solidFill>
+                  <a:schemeClr val="bg1"/>
+                </a:solidFill>
+              </a:rPr>
+              <a:t>1</a:t>
+            </a:r>
+            <a:r>
+              <a:rPr lang="en-US" baseline="30000" dirty="0">
+                <a:solidFill>
+                  <a:schemeClr val="bg1"/>
+                </a:solidFill>
+              </a:rPr>
+              <a:t>3 </a:t>
+            </a:r>
+            <a:r>
+              <a:rPr lang="en-US" baseline="-25000" dirty="0">
+                <a:solidFill>
+                  <a:schemeClr val="bg1"/>
+                </a:solidFill>
+              </a:rPr>
+              <a:t>2</a:t>
+            </a:r>
+            <a:r>
+              <a:rPr lang="en-US" baseline="30000" dirty="0">
+                <a:solidFill>
+                  <a:schemeClr val="bg1"/>
+                </a:solidFill>
+              </a:rPr>
+              <a:t>3 </a:t>
+            </a:r>
+            <a:r>
+              <a:rPr lang="en-US" dirty="0">
+                <a:solidFill>
+                  <a:schemeClr val="bg1"/>
+                </a:solidFill>
+              </a:rPr>
+              <a:t>… q</a:t>
+            </a:r>
+            <a:r>
+              <a:rPr lang="en-US" baseline="-25000" dirty="0">
+                <a:solidFill>
+                  <a:schemeClr val="bg1"/>
+                </a:solidFill>
+              </a:rPr>
+              <a:t>n</a:t>
+            </a:r>
+            <a:r>
+              <a:rPr lang="en-US" baseline="30000" dirty="0">
+                <a:solidFill>
+                  <a:schemeClr val="bg1"/>
+                </a:solidFill>
+              </a:rPr>
+              <a:t>3</a:t>
+            </a:r>
+          </a:p>
+          <a:p>
+            <a:endParaRPr lang="en-US" baseline="30000" dirty="0">
+              <a:solidFill>
+                <a:schemeClr val="bg1"/>
+              </a:solidFill>
+            </a:endParaRPr>
+          </a:p>
+          <a:p>
+            <a:endParaRPr lang="en-US" baseline="-25000" dirty="0">
+              <a:solidFill>
+                <a:schemeClr val="bg1"/>
+              </a:solidFill>
+            </a:endParaRPr>
+          </a:p>
+          <a:p>
+            <a:r>
+              <a:rPr lang="en-US" dirty="0">
+                <a:solidFill>
+                  <a:schemeClr val="bg1"/>
+                </a:solidFill>
+              </a:rPr>
+              <a:t>	q</a:t>
+            </a:r>
+            <a:r>
+              <a:rPr lang="en-US" baseline="-25000" dirty="0">
+                <a:solidFill>
+                  <a:schemeClr val="bg1"/>
+                </a:solidFill>
+              </a:rPr>
+              <a:t>1</a:t>
+            </a:r>
+            <a:r>
+              <a:rPr lang="en-US" baseline="30000" dirty="0">
+                <a:solidFill>
+                  <a:schemeClr val="bg1"/>
+                </a:solidFill>
+              </a:rPr>
+              <a:t>3 </a:t>
+            </a:r>
+            <a:r>
+              <a:rPr lang="en-US" dirty="0">
+                <a:solidFill>
+                  <a:schemeClr val="bg1"/>
+                </a:solidFill>
+              </a:rPr>
+              <a:t>q</a:t>
+            </a:r>
+            <a:r>
+              <a:rPr lang="en-US" baseline="-25000" dirty="0">
+                <a:solidFill>
+                  <a:schemeClr val="bg1"/>
+                </a:solidFill>
+              </a:rPr>
+              <a:t>2</a:t>
+            </a:r>
+            <a:r>
+              <a:rPr lang="en-US" baseline="30000" dirty="0">
+                <a:solidFill>
+                  <a:schemeClr val="bg1"/>
+                </a:solidFill>
+              </a:rPr>
+              <a:t>3 </a:t>
+            </a:r>
+            <a:r>
+              <a:rPr lang="en-US" dirty="0">
+                <a:solidFill>
+                  <a:schemeClr val="bg1"/>
+                </a:solidFill>
+              </a:rPr>
+              <a:t>… q</a:t>
+            </a:r>
+            <a:r>
+              <a:rPr lang="en-US" baseline="-25000" dirty="0">
+                <a:solidFill>
+                  <a:schemeClr val="bg1"/>
+                </a:solidFill>
+              </a:rPr>
+              <a:t>n</a:t>
+            </a:r>
+            <a:r>
+              <a:rPr lang="en-US" baseline="30000" dirty="0">
+                <a:solidFill>
+                  <a:schemeClr val="bg1"/>
+                </a:solidFill>
+              </a:rPr>
+              <a:t>3 </a:t>
+            </a:r>
+            <a:r>
+              <a:rPr lang="en-US" dirty="0">
+                <a:solidFill>
+                  <a:schemeClr val="bg1"/>
+                </a:solidFill>
+              </a:rPr>
+              <a:t>| </a:t>
+            </a:r>
+            <a:r>
+              <a:rPr lang="en-US" baseline="30000" dirty="0">
+                <a:solidFill>
+                  <a:schemeClr val="bg1"/>
+                </a:solidFill>
+              </a:rPr>
+              <a:t> </a:t>
+            </a:r>
+            <a:r>
+              <a:rPr lang="en-US" dirty="0">
+                <a:solidFill>
+                  <a:schemeClr val="bg1"/>
+                </a:solidFill>
+              </a:rPr>
+              <a:t>p</a:t>
+            </a:r>
+            <a:r>
+              <a:rPr lang="en-US" baseline="30000" dirty="0">
+                <a:solidFill>
+                  <a:schemeClr val="bg1"/>
+                </a:solidFill>
+              </a:rPr>
+              <a:t>3</a:t>
+            </a:r>
+            <a:r>
+              <a:rPr lang="en-US" baseline="-25000" dirty="0">
+                <a:solidFill>
+                  <a:schemeClr val="bg1"/>
+                </a:solidFill>
+              </a:rPr>
+              <a:t>1</a:t>
+            </a:r>
+            <a:r>
+              <a:rPr lang="en-US" dirty="0">
+                <a:solidFill>
+                  <a:schemeClr val="bg1"/>
+                </a:solidFill>
+              </a:rPr>
+              <a:t> p</a:t>
+            </a:r>
+            <a:r>
+              <a:rPr lang="en-US" baseline="30000" dirty="0">
+                <a:solidFill>
+                  <a:schemeClr val="bg1"/>
+                </a:solidFill>
+              </a:rPr>
+              <a:t>3</a:t>
+            </a:r>
+            <a:r>
+              <a:rPr lang="en-US" baseline="-25000" dirty="0">
+                <a:solidFill>
+                  <a:schemeClr val="bg1"/>
+                </a:solidFill>
+              </a:rPr>
+              <a:t>2</a:t>
+            </a:r>
+            <a:r>
+              <a:rPr lang="en-US" dirty="0">
+                <a:solidFill>
+                  <a:schemeClr val="bg1"/>
+                </a:solidFill>
+              </a:rPr>
+              <a:t> … p</a:t>
+            </a:r>
+            <a:r>
+              <a:rPr lang="en-US" baseline="30000" dirty="0">
+                <a:solidFill>
+                  <a:schemeClr val="bg1"/>
+                </a:solidFill>
+              </a:rPr>
+              <a:t>3</a:t>
+            </a:r>
+            <a:r>
+              <a:rPr lang="en-US" baseline="-25000" dirty="0">
+                <a:solidFill>
+                  <a:schemeClr val="bg1"/>
+                </a:solidFill>
+              </a:rPr>
+              <a:t>n </a:t>
+            </a:r>
+          </a:p>
+          <a:p>
+            <a:endParaRPr lang="en-US" dirty="0"/>
+          </a:p>
+          <a:p>
+            <a:endParaRPr lang="en-US" baseline="-25000" dirty="0"/>
+          </a:p>
+          <a:p>
+            <a:endParaRPr lang="en-US" dirty="0"/>
+          </a:p>
+        </p:txBody>
+      </p:sp>
+      <p:pic>
+        <p:nvPicPr>
+          <p:cNvPr id="19" name="Picture 18">
+            <a:extLst>
+              <a:ext uri="{FF2B5EF4-FFF2-40B4-BE49-F238E27FC236}">
+                <a16:creationId xmlns:a16="http://schemas.microsoft.com/office/drawing/2014/main" id="{ADEEC69A-EC21-4151-936D-94DAB21B57DD}"/>
+              </a:ext>
+            </a:extLst>
+          </p:cNvPr>
+          <p:cNvPicPr>
+            <a:picLocks noChangeAspect="1"/>
+          </p:cNvPicPr>
+          <p:nvPr/>
+        </p:nvPicPr>
+        <p:blipFill>
+          <a:blip r:embed="rId3"/>
+          <a:stretch>
+            <a:fillRect/>
+          </a:stretch>
+        </p:blipFill>
+        <p:spPr>
+          <a:xfrm>
+            <a:off x="620875" y="3555619"/>
+            <a:ext cx="10950250" cy="2614118"/>
+          </a:xfrm>
+          <a:prstGeom prst="rect">
+            <a:avLst/>
+          </a:prstGeom>
+        </p:spPr>
+      </p:pic>
+    </p:spTree>
+    <p:extLst>
+      <p:ext uri="{BB962C8B-B14F-4D97-AF65-F5344CB8AC3E}">
+        <p14:creationId xmlns:p14="http://schemas.microsoft.com/office/powerpoint/2010/main" val="4147379381"/>
+      </p:ext>
+    </p:extLst>
+  </p:cSld>
+  <p:clrMapOvr>
+    <a:masterClrMapping/>
+  </p:clrMapOvr>
+  <p:timing>
+    <p:tnLst>
+      <p:par>
+        <p:cTn id="1" dur="indefinite" restart="never" nodeType="tmRoot">
+          <p:childTnLst>
+            <p:seq concurrent="1" nextAc="seek">
+              <p:cTn id="2" dur="indefinite" nodeType="mainSeq">
+                <p:childTnLst>
+                  <p:par>
+                    <p:cTn id="3" fill="hold">
+                      <p:stCondLst>
+                        <p:cond delay="indefinite"/>
+                      </p:stCondLst>
+                      <p:childTnLst>
+                        <p:par>
+                          <p:cTn id="4" fill="hold">
+                            <p:stCondLst>
+                              <p:cond delay="0"/>
+                            </p:stCondLst>
+                            <p:childTnLst>
+                              <p:par>
+                                <p:cTn id="5" presetID="1" presetClass="entr" presetSubtype="0" fill="hold" nodeType="clickEffect">
+                                  <p:stCondLst>
+                                    <p:cond delay="0"/>
+                                  </p:stCondLst>
+                                  <p:childTnLst>
+                                    <p:set>
+                                      <p:cBhvr>
+                                        <p:cTn id="6" dur="1" fill="hold">
+                                          <p:stCondLst>
+                                            <p:cond delay="0"/>
+                                          </p:stCondLst>
+                                        </p:cTn>
+                                        <p:tgtEl>
+                                          <p:spTgt spid="17">
+                                            <p:txEl>
+                                              <p:pRg st="0" end="0"/>
+                                            </p:txEl>
+                                          </p:spTgt>
+                                        </p:tgtEl>
+                                        <p:attrNameLst>
+                                          <p:attrName>style.visibility</p:attrName>
+                                        </p:attrNameLst>
+                                      </p:cBhvr>
+                                      <p:to>
+                                        <p:strVal val="visible"/>
+                                      </p:to>
+                                    </p:set>
+                                  </p:childTnLst>
+                                </p:cTn>
+                              </p:par>
+                              <p:par>
+                                <p:cTn id="7" presetID="1" presetClass="entr" presetSubtype="0" fill="hold" nodeType="withEffect">
+                                  <p:stCondLst>
+                                    <p:cond delay="0"/>
+                                  </p:stCondLst>
+                                  <p:childTnLst>
+                                    <p:set>
+                                      <p:cBhvr>
+                                        <p:cTn id="8" dur="1" fill="hold">
+                                          <p:stCondLst>
+                                            <p:cond delay="0"/>
+                                          </p:stCondLst>
+                                        </p:cTn>
+                                        <p:tgtEl>
+                                          <p:spTgt spid="17">
+                                            <p:txEl>
+                                              <p:pRg st="2" end="2"/>
+                                            </p:txEl>
+                                          </p:spTgt>
+                                        </p:tgtEl>
+                                        <p:attrNameLst>
+                                          <p:attrName>style.visibility</p:attrName>
+                                        </p:attrNameLst>
+                                      </p:cBhvr>
+                                      <p:to>
+                                        <p:strVal val="visible"/>
+                                      </p:to>
+                                    </p:set>
+                                  </p:childTnLst>
+                                </p:cTn>
+                              </p:par>
+                              <p:par>
+                                <p:cTn id="9" presetID="1" presetClass="entr" presetSubtype="0" fill="hold" nodeType="withEffect">
+                                  <p:stCondLst>
+                                    <p:cond delay="0"/>
+                                  </p:stCondLst>
+                                  <p:childTnLst>
+                                    <p:set>
+                                      <p:cBhvr>
+                                        <p:cTn id="10" dur="1" fill="hold">
+                                          <p:stCondLst>
+                                            <p:cond delay="0"/>
+                                          </p:stCondLst>
+                                        </p:cTn>
+                                        <p:tgtEl>
+                                          <p:spTgt spid="17">
+                                            <p:txEl>
+                                              <p:pRg st="3" end="3"/>
+                                            </p:txEl>
+                                          </p:spTgt>
+                                        </p:tgtEl>
+                                        <p:attrNameLst>
+                                          <p:attrName>style.visibility</p:attrName>
+                                        </p:attrNameLst>
+                                      </p:cBhvr>
+                                      <p:to>
+                                        <p:strVal val="visible"/>
+                                      </p:to>
+                                    </p:set>
+                                  </p:childTnLst>
+                                </p:cTn>
+                              </p:par>
+                            </p:childTnLst>
+                          </p:cTn>
+                        </p:par>
+                      </p:childTnLst>
+                    </p:cTn>
+                  </p:par>
+                  <p:par>
+                    <p:cTn id="11" fill="hold">
+                      <p:stCondLst>
+                        <p:cond delay="indefinite"/>
+                      </p:stCondLst>
+                      <p:childTnLst>
+                        <p:par>
+                          <p:cTn id="12" fill="hold">
+                            <p:stCondLst>
+                              <p:cond delay="0"/>
+                            </p:stCondLst>
+                            <p:childTnLst>
+                              <p:par>
+                                <p:cTn id="13" presetID="1" presetClass="entr" presetSubtype="0" fill="hold" nodeType="clickEffect">
+                                  <p:stCondLst>
+                                    <p:cond delay="0"/>
+                                  </p:stCondLst>
+                                  <p:childTnLst>
+                                    <p:set>
+                                      <p:cBhvr>
+                                        <p:cTn id="14" dur="1" fill="hold">
+                                          <p:stCondLst>
+                                            <p:cond delay="0"/>
+                                          </p:stCondLst>
+                                        </p:cTn>
+                                        <p:tgtEl>
+                                          <p:spTgt spid="17">
+                                            <p:txEl>
+                                              <p:pRg st="5" end="5"/>
+                                            </p:txEl>
+                                          </p:spTgt>
+                                        </p:tgtEl>
+                                        <p:attrNameLst>
+                                          <p:attrName>style.visibility</p:attrName>
+                                        </p:attrNameLst>
+                                      </p:cBhvr>
+                                      <p:to>
+                                        <p:strVal val="visible"/>
+                                      </p:to>
+                                    </p:set>
+                                  </p:childTnLst>
+                                </p:cTn>
+                              </p:par>
+                            </p:childTnLst>
+                          </p:cTn>
+                        </p:par>
+                      </p:childTnLst>
+                    </p:cTn>
+                  </p:par>
+                  <p:par>
+                    <p:cTn id="15" fill="hold">
+                      <p:stCondLst>
+                        <p:cond delay="indefinite"/>
+                      </p:stCondLst>
+                      <p:childTnLst>
+                        <p:par>
+                          <p:cTn id="16" fill="hold">
+                            <p:stCondLst>
+                              <p:cond delay="0"/>
+                            </p:stCondLst>
+                            <p:childTnLst>
+                              <p:par>
+                                <p:cTn id="17" presetID="1" presetClass="entr" presetSubtype="0" fill="hold" nodeType="clickEffect">
+                                  <p:stCondLst>
+                                    <p:cond delay="0"/>
+                                  </p:stCondLst>
+                                  <p:childTnLst>
+                                    <p:set>
+                                      <p:cBhvr>
+                                        <p:cTn id="18" dur="1" fill="hold">
+                                          <p:stCondLst>
+                                            <p:cond delay="0"/>
+                                          </p:stCondLst>
+                                        </p:cTn>
+                                        <p:tgtEl>
+                                          <p:spTgt spid="19"/>
+                                        </p:tgtEl>
+                                        <p:attrNameLst>
+                                          <p:attrName>style.visibility</p:attrName>
+                                        </p:attrNameLst>
+                                      </p:cBhvr>
+                                      <p:to>
+                                        <p:strVal val="visible"/>
+                                      </p:to>
+                                    </p:set>
+                                  </p:childTnLst>
+                                </p:cTn>
+                              </p:par>
+                            </p:childTnLst>
+                          </p:cTn>
+                        </p:par>
+                      </p:childTnLst>
+                    </p:cTn>
+                  </p:par>
+                </p:childTnLst>
+              </p:cTn>
+              <p:prevCondLst>
+                <p:cond evt="onPrev" delay="0">
+                  <p:tgtEl>
+                    <p:sldTgt/>
+                  </p:tgtEl>
+                </p:cond>
+              </p:prevCondLst>
+              <p:nextCondLst>
+                <p:cond evt="onNext" delay="0">
+                  <p:tgtEl>
+                    <p:sldTgt/>
+                  </p:tgtEl>
+                </p:cond>
+              </p:nextCondLst>
+            </p:seq>
+          </p:childTnLst>
+        </p:cTn>
+      </p:par>
+    </p:tnLst>
+  </p:timing>
+</p:sld>
+</file>
+
+<file path=ppt/slides/slide11.xml><?xml version="1.0" encoding="utf-8"?>
+<p:sld xmlns:a="http://schemas.openxmlformats.org/drawingml/2006/main" xmlns:r="http://schemas.openxmlformats.org/officeDocument/2006/relationships" xmlns:p="http://schemas.openxmlformats.org/presentationml/2006/main">
+  <p:cSld>
+    <p:spTree>
+      <p:nvGrpSpPr>
+        <p:cNvPr id="1" name=""/>
+        <p:cNvGrpSpPr/>
+        <p:nvPr/>
+      </p:nvGrpSpPr>
+      <p:grpSpPr>
+        <a:xfrm>
+          <a:off x="0" y="0"/>
+          <a:ext cx="0" cy="0"/>
+          <a:chOff x="0" y="0"/>
+          <a:chExt cx="0" cy="0"/>
+        </a:xfrm>
+      </p:grpSpPr>
+      <p:sp>
+        <p:nvSpPr>
+          <p:cNvPr id="3" name="Rectangle 2">
+            <a:extLst>
+              <a:ext uri="{FF2B5EF4-FFF2-40B4-BE49-F238E27FC236}">
+                <a16:creationId xmlns:a16="http://schemas.microsoft.com/office/drawing/2014/main" id="{25C9728F-2044-42A6-9DD9-EA052EA5C07D}"/>
+              </a:ext>
+            </a:extLst>
+          </p:cNvPr>
+          <p:cNvSpPr/>
+          <p:nvPr/>
+        </p:nvSpPr>
+        <p:spPr>
+          <a:xfrm>
+            <a:off x="4893077" y="5184563"/>
+            <a:ext cx="433526" cy="266331"/>
+          </a:xfrm>
+          <a:prstGeom prst="rect">
+            <a:avLst/>
+          </a:prstGeom>
+          <a:solidFill>
+            <a:schemeClr val="bg1"/>
+          </a:solidFill>
+          <a:ln>
+            <a:solidFill>
+              <a:schemeClr val="bg1"/>
+            </a:solidFill>
+          </a:ln>
+        </p:spPr>
+        <p:style>
+          <a:lnRef idx="2">
+            <a:schemeClr val="accent1">
+              <a:shade val="50000"/>
+            </a:schemeClr>
+          </a:lnRef>
+          <a:fillRef idx="1">
+            <a:schemeClr val="accent1"/>
+          </a:fillRef>
+          <a:effectRef idx="0">
+            <a:schemeClr val="accent1"/>
+          </a:effectRef>
+          <a:fontRef idx="minor">
+            <a:schemeClr val="lt1"/>
+          </a:fontRef>
+        </p:style>
+        <p:txBody>
+          <a:bodyPr rtlCol="0" anchor="ctr"/>
+          <a:lstStyle/>
+          <a:p>
+            <a:pPr algn="ctr"/>
+            <a:endParaRPr lang="en-US"/>
+          </a:p>
+        </p:txBody>
+      </p:sp>
+      <p:sp>
+        <p:nvSpPr>
+          <p:cNvPr id="4" name="Rectangle 3">
+            <a:extLst>
+              <a:ext uri="{FF2B5EF4-FFF2-40B4-BE49-F238E27FC236}">
+                <a16:creationId xmlns:a16="http://schemas.microsoft.com/office/drawing/2014/main" id="{0F9594C5-155D-46B0-8861-CBC068AC1F66}"/>
+              </a:ext>
+            </a:extLst>
+          </p:cNvPr>
+          <p:cNvSpPr/>
+          <p:nvPr/>
+        </p:nvSpPr>
+        <p:spPr>
+          <a:xfrm>
+            <a:off x="7460203" y="4859045"/>
+            <a:ext cx="433526" cy="266331"/>
+          </a:xfrm>
+          <a:prstGeom prst="rect">
+            <a:avLst/>
+          </a:prstGeom>
+          <a:solidFill>
+            <a:schemeClr val="bg1"/>
+          </a:solidFill>
+          <a:ln>
+            <a:solidFill>
+              <a:schemeClr val="bg1"/>
+            </a:solidFill>
+          </a:ln>
+        </p:spPr>
+        <p:style>
+          <a:lnRef idx="2">
+            <a:schemeClr val="accent1">
+              <a:shade val="50000"/>
+            </a:schemeClr>
+          </a:lnRef>
+          <a:fillRef idx="1">
+            <a:schemeClr val="accent1"/>
+          </a:fillRef>
+          <a:effectRef idx="0">
+            <a:schemeClr val="accent1"/>
+          </a:effectRef>
+          <a:fontRef idx="minor">
+            <a:schemeClr val="lt1"/>
+          </a:fontRef>
+        </p:style>
+        <p:txBody>
+          <a:bodyPr rtlCol="0" anchor="ctr"/>
+          <a:lstStyle/>
+          <a:p>
+            <a:pPr algn="ctr"/>
+            <a:endParaRPr lang="en-US"/>
+          </a:p>
+        </p:txBody>
+      </p:sp>
+      <p:sp>
+        <p:nvSpPr>
+          <p:cNvPr id="6" name="Rectangle 5">
+            <a:extLst>
+              <a:ext uri="{FF2B5EF4-FFF2-40B4-BE49-F238E27FC236}">
+                <a16:creationId xmlns:a16="http://schemas.microsoft.com/office/drawing/2014/main" id="{3C8E3BA1-D526-4030-9953-9AC120817B0B}"/>
+              </a:ext>
+            </a:extLst>
+          </p:cNvPr>
+          <p:cNvSpPr/>
+          <p:nvPr/>
+        </p:nvSpPr>
+        <p:spPr>
+          <a:xfrm>
+            <a:off x="7535524" y="5177162"/>
+            <a:ext cx="433526" cy="266331"/>
+          </a:xfrm>
+          <a:prstGeom prst="rect">
+            <a:avLst/>
+          </a:prstGeom>
+          <a:solidFill>
+            <a:schemeClr val="bg1"/>
+          </a:solidFill>
+          <a:ln>
+            <a:solidFill>
+              <a:schemeClr val="bg1"/>
+            </a:solidFill>
+          </a:ln>
+        </p:spPr>
+        <p:style>
+          <a:lnRef idx="2">
+            <a:schemeClr val="accent1">
+              <a:shade val="50000"/>
+            </a:schemeClr>
+          </a:lnRef>
+          <a:fillRef idx="1">
+            <a:schemeClr val="accent1"/>
+          </a:fillRef>
+          <a:effectRef idx="0">
+            <a:schemeClr val="accent1"/>
+          </a:effectRef>
+          <a:fontRef idx="minor">
+            <a:schemeClr val="lt1"/>
+          </a:fontRef>
+        </p:style>
+        <p:txBody>
+          <a:bodyPr rtlCol="0" anchor="ctr"/>
+          <a:lstStyle/>
+          <a:p>
+            <a:pPr algn="ctr"/>
+            <a:endParaRPr lang="en-US"/>
+          </a:p>
+        </p:txBody>
+      </p:sp>
+      <p:sp>
+        <p:nvSpPr>
+          <p:cNvPr id="7" name="Rectangle 6">
+            <a:extLst>
+              <a:ext uri="{FF2B5EF4-FFF2-40B4-BE49-F238E27FC236}">
+                <a16:creationId xmlns:a16="http://schemas.microsoft.com/office/drawing/2014/main" id="{09D295C6-620C-4F29-B14B-1F4854583011}"/>
+              </a:ext>
+            </a:extLst>
+          </p:cNvPr>
+          <p:cNvSpPr/>
+          <p:nvPr/>
+        </p:nvSpPr>
+        <p:spPr>
+          <a:xfrm>
+            <a:off x="5871706" y="4866441"/>
+            <a:ext cx="433526" cy="266331"/>
+          </a:xfrm>
+          <a:prstGeom prst="rect">
+            <a:avLst/>
+          </a:prstGeom>
+          <a:solidFill>
+            <a:schemeClr val="bg1"/>
+          </a:solidFill>
+          <a:ln>
+            <a:solidFill>
+              <a:schemeClr val="bg1"/>
+            </a:solidFill>
+          </a:ln>
+        </p:spPr>
+        <p:style>
+          <a:lnRef idx="2">
+            <a:schemeClr val="accent1">
+              <a:shade val="50000"/>
+            </a:schemeClr>
+          </a:lnRef>
+          <a:fillRef idx="1">
+            <a:schemeClr val="accent1"/>
+          </a:fillRef>
+          <a:effectRef idx="0">
+            <a:schemeClr val="accent1"/>
+          </a:effectRef>
+          <a:fontRef idx="minor">
+            <a:schemeClr val="lt1"/>
+          </a:fontRef>
+        </p:style>
+        <p:txBody>
+          <a:bodyPr rtlCol="0" anchor="ctr"/>
+          <a:lstStyle/>
+          <a:p>
+            <a:pPr algn="ctr"/>
+            <a:endParaRPr lang="en-US"/>
+          </a:p>
+        </p:txBody>
+      </p:sp>
+      <p:sp>
+        <p:nvSpPr>
+          <p:cNvPr id="8" name="Rectangle 7">
+            <a:extLst>
+              <a:ext uri="{FF2B5EF4-FFF2-40B4-BE49-F238E27FC236}">
+                <a16:creationId xmlns:a16="http://schemas.microsoft.com/office/drawing/2014/main" id="{87FC4ED4-8B17-43EE-A03F-D392E2A8FCE7}"/>
+              </a:ext>
+            </a:extLst>
+          </p:cNvPr>
+          <p:cNvSpPr/>
+          <p:nvPr/>
+        </p:nvSpPr>
+        <p:spPr>
+          <a:xfrm>
+            <a:off x="4893077" y="4856085"/>
+            <a:ext cx="433526" cy="266331"/>
+          </a:xfrm>
+          <a:prstGeom prst="rect">
+            <a:avLst/>
+          </a:prstGeom>
+          <a:solidFill>
+            <a:schemeClr val="bg1"/>
+          </a:solidFill>
+          <a:ln>
+            <a:solidFill>
+              <a:schemeClr val="bg1"/>
+            </a:solidFill>
+          </a:ln>
+        </p:spPr>
+        <p:style>
+          <a:lnRef idx="2">
+            <a:schemeClr val="accent1">
+              <a:shade val="50000"/>
+            </a:schemeClr>
+          </a:lnRef>
+          <a:fillRef idx="1">
+            <a:schemeClr val="accent1"/>
+          </a:fillRef>
+          <a:effectRef idx="0">
+            <a:schemeClr val="accent1"/>
+          </a:effectRef>
+          <a:fontRef idx="minor">
+            <a:schemeClr val="lt1"/>
+          </a:fontRef>
+        </p:style>
+        <p:txBody>
+          <a:bodyPr rtlCol="0" anchor="ctr"/>
+          <a:lstStyle/>
+          <a:p>
+            <a:pPr algn="ctr"/>
+            <a:endParaRPr lang="en-US"/>
+          </a:p>
+        </p:txBody>
+      </p:sp>
+      <p:sp>
+        <p:nvSpPr>
+          <p:cNvPr id="9" name="Rectangle 8">
+            <a:extLst>
+              <a:ext uri="{FF2B5EF4-FFF2-40B4-BE49-F238E27FC236}">
+                <a16:creationId xmlns:a16="http://schemas.microsoft.com/office/drawing/2014/main" id="{D0FE678D-D40E-40CF-83C2-42357A1B909A}"/>
+              </a:ext>
+            </a:extLst>
+          </p:cNvPr>
+          <p:cNvSpPr/>
+          <p:nvPr/>
+        </p:nvSpPr>
+        <p:spPr>
+          <a:xfrm>
+            <a:off x="5834041" y="5184563"/>
+            <a:ext cx="433526" cy="266331"/>
+          </a:xfrm>
+          <a:prstGeom prst="rect">
+            <a:avLst/>
+          </a:prstGeom>
+          <a:solidFill>
+            <a:schemeClr val="bg1"/>
+          </a:solidFill>
+          <a:ln>
+            <a:solidFill>
+              <a:schemeClr val="bg1"/>
+            </a:solidFill>
+          </a:ln>
+        </p:spPr>
+        <p:style>
+          <a:lnRef idx="2">
+            <a:schemeClr val="accent1">
+              <a:shade val="50000"/>
+            </a:schemeClr>
+          </a:lnRef>
+          <a:fillRef idx="1">
+            <a:schemeClr val="accent1"/>
+          </a:fillRef>
+          <a:effectRef idx="0">
+            <a:schemeClr val="accent1"/>
+          </a:effectRef>
+          <a:fontRef idx="minor">
+            <a:schemeClr val="lt1"/>
+          </a:fontRef>
+        </p:style>
+        <p:txBody>
+          <a:bodyPr rtlCol="0" anchor="ctr"/>
+          <a:lstStyle/>
+          <a:p>
+            <a:pPr algn="ctr"/>
+            <a:endParaRPr lang="en-US"/>
+          </a:p>
+        </p:txBody>
+      </p:sp>
+      <p:sp>
+        <p:nvSpPr>
+          <p:cNvPr id="10" name="Rectangle 9">
+            <a:extLst>
+              <a:ext uri="{FF2B5EF4-FFF2-40B4-BE49-F238E27FC236}">
+                <a16:creationId xmlns:a16="http://schemas.microsoft.com/office/drawing/2014/main" id="{FA346FCA-21D6-495A-8237-AF590F0E0416}"/>
+              </a:ext>
+            </a:extLst>
+          </p:cNvPr>
+          <p:cNvSpPr/>
+          <p:nvPr/>
+        </p:nvSpPr>
+        <p:spPr>
+          <a:xfrm>
+            <a:off x="4893077" y="5504163"/>
+            <a:ext cx="433526" cy="233900"/>
+          </a:xfrm>
+          <a:prstGeom prst="rect">
+            <a:avLst/>
+          </a:prstGeom>
+          <a:solidFill>
+            <a:schemeClr val="bg1"/>
+          </a:solidFill>
+          <a:ln>
+            <a:solidFill>
+              <a:schemeClr val="bg1"/>
+            </a:solidFill>
+          </a:ln>
+        </p:spPr>
+        <p:style>
+          <a:lnRef idx="2">
+            <a:schemeClr val="accent1">
+              <a:shade val="50000"/>
+            </a:schemeClr>
+          </a:lnRef>
+          <a:fillRef idx="1">
+            <a:schemeClr val="accent1"/>
+          </a:fillRef>
+          <a:effectRef idx="0">
+            <a:schemeClr val="accent1"/>
+          </a:effectRef>
+          <a:fontRef idx="minor">
+            <a:schemeClr val="lt1"/>
+          </a:fontRef>
+        </p:style>
+        <p:txBody>
+          <a:bodyPr rtlCol="0" anchor="ctr"/>
+          <a:lstStyle/>
+          <a:p>
+            <a:pPr algn="ctr"/>
+            <a:endParaRPr lang="en-US"/>
+          </a:p>
+        </p:txBody>
+      </p:sp>
+      <p:sp>
+        <p:nvSpPr>
+          <p:cNvPr id="11" name="Rectangle 10">
+            <a:extLst>
+              <a:ext uri="{FF2B5EF4-FFF2-40B4-BE49-F238E27FC236}">
+                <a16:creationId xmlns:a16="http://schemas.microsoft.com/office/drawing/2014/main" id="{3A046B4D-AAF7-4DA2-BBF8-A58B5832E0E3}"/>
+              </a:ext>
+            </a:extLst>
+          </p:cNvPr>
+          <p:cNvSpPr/>
+          <p:nvPr/>
+        </p:nvSpPr>
+        <p:spPr>
+          <a:xfrm>
+            <a:off x="5871706" y="5489368"/>
+            <a:ext cx="433526" cy="266331"/>
+          </a:xfrm>
+          <a:prstGeom prst="rect">
+            <a:avLst/>
+          </a:prstGeom>
+          <a:solidFill>
+            <a:schemeClr val="bg1"/>
+          </a:solidFill>
+          <a:ln>
+            <a:solidFill>
+              <a:schemeClr val="bg1"/>
+            </a:solidFill>
+          </a:ln>
+        </p:spPr>
+        <p:style>
+          <a:lnRef idx="2">
+            <a:schemeClr val="accent1">
+              <a:shade val="50000"/>
+            </a:schemeClr>
+          </a:lnRef>
+          <a:fillRef idx="1">
+            <a:schemeClr val="accent1"/>
+          </a:fillRef>
+          <a:effectRef idx="0">
+            <a:schemeClr val="accent1"/>
+          </a:effectRef>
+          <a:fontRef idx="minor">
+            <a:schemeClr val="lt1"/>
+          </a:fontRef>
+        </p:style>
+        <p:txBody>
+          <a:bodyPr rtlCol="0" anchor="ctr"/>
+          <a:lstStyle/>
+          <a:p>
+            <a:pPr algn="ctr"/>
+            <a:endParaRPr lang="en-US"/>
+          </a:p>
+        </p:txBody>
+      </p:sp>
+      <p:sp>
+        <p:nvSpPr>
+          <p:cNvPr id="12" name="Rectangle 11">
+            <a:extLst>
+              <a:ext uri="{FF2B5EF4-FFF2-40B4-BE49-F238E27FC236}">
+                <a16:creationId xmlns:a16="http://schemas.microsoft.com/office/drawing/2014/main" id="{CC5C4F75-C478-4D5C-9371-58E0FD2529F3}"/>
+              </a:ext>
+            </a:extLst>
+          </p:cNvPr>
+          <p:cNvSpPr/>
+          <p:nvPr/>
+        </p:nvSpPr>
+        <p:spPr>
+          <a:xfrm>
+            <a:off x="7460203" y="5495285"/>
+            <a:ext cx="433526" cy="266331"/>
+          </a:xfrm>
+          <a:prstGeom prst="rect">
+            <a:avLst/>
+          </a:prstGeom>
+          <a:solidFill>
+            <a:schemeClr val="bg1"/>
+          </a:solidFill>
+          <a:ln>
+            <a:solidFill>
+              <a:schemeClr val="bg1"/>
+            </a:solidFill>
+          </a:ln>
+        </p:spPr>
+        <p:style>
+          <a:lnRef idx="2">
+            <a:schemeClr val="accent1">
+              <a:shade val="50000"/>
+            </a:schemeClr>
+          </a:lnRef>
+          <a:fillRef idx="1">
+            <a:schemeClr val="accent1"/>
+          </a:fillRef>
+          <a:effectRef idx="0">
+            <a:schemeClr val="accent1"/>
+          </a:effectRef>
+          <a:fontRef idx="minor">
+            <a:schemeClr val="lt1"/>
+          </a:fontRef>
+        </p:style>
+        <p:txBody>
+          <a:bodyPr rtlCol="0" anchor="ctr"/>
+          <a:lstStyle/>
+          <a:p>
+            <a:pPr algn="ctr"/>
+            <a:endParaRPr lang="en-US"/>
+          </a:p>
+        </p:txBody>
+      </p:sp>
+      <p:sp>
+        <p:nvSpPr>
+          <p:cNvPr id="13" name="Rectangle 12">
+            <a:extLst>
+              <a:ext uri="{FF2B5EF4-FFF2-40B4-BE49-F238E27FC236}">
+                <a16:creationId xmlns:a16="http://schemas.microsoft.com/office/drawing/2014/main" id="{2BBE8D50-AE35-4BC3-8861-657847901AF4}"/>
+              </a:ext>
+            </a:extLst>
+          </p:cNvPr>
+          <p:cNvSpPr/>
+          <p:nvPr/>
+        </p:nvSpPr>
+        <p:spPr>
+          <a:xfrm>
+            <a:off x="7535524" y="5822280"/>
+            <a:ext cx="433526" cy="266331"/>
+          </a:xfrm>
+          <a:prstGeom prst="rect">
+            <a:avLst/>
+          </a:prstGeom>
+          <a:solidFill>
+            <a:schemeClr val="bg1"/>
+          </a:solidFill>
+          <a:ln>
+            <a:solidFill>
+              <a:schemeClr val="bg1"/>
+            </a:solidFill>
+          </a:ln>
+        </p:spPr>
+        <p:style>
+          <a:lnRef idx="2">
+            <a:schemeClr val="accent1">
+              <a:shade val="50000"/>
+            </a:schemeClr>
+          </a:lnRef>
+          <a:fillRef idx="1">
+            <a:schemeClr val="accent1"/>
+          </a:fillRef>
+          <a:effectRef idx="0">
+            <a:schemeClr val="accent1"/>
+          </a:effectRef>
+          <a:fontRef idx="minor">
+            <a:schemeClr val="lt1"/>
+          </a:fontRef>
+        </p:style>
+        <p:txBody>
+          <a:bodyPr rtlCol="0" anchor="ctr"/>
+          <a:lstStyle/>
+          <a:p>
+            <a:pPr algn="ctr"/>
+            <a:endParaRPr lang="en-US"/>
+          </a:p>
+        </p:txBody>
+      </p:sp>
+      <p:sp>
+        <p:nvSpPr>
+          <p:cNvPr id="14" name="Rectangle 13">
+            <a:extLst>
+              <a:ext uri="{FF2B5EF4-FFF2-40B4-BE49-F238E27FC236}">
+                <a16:creationId xmlns:a16="http://schemas.microsoft.com/office/drawing/2014/main" id="{DE74EA0A-35F4-4036-940C-2C035225FC7D}"/>
+              </a:ext>
+            </a:extLst>
+          </p:cNvPr>
+          <p:cNvSpPr/>
+          <p:nvPr/>
+        </p:nvSpPr>
+        <p:spPr>
+          <a:xfrm>
+            <a:off x="5970838" y="5810449"/>
+            <a:ext cx="433526" cy="266331"/>
+          </a:xfrm>
+          <a:prstGeom prst="rect">
+            <a:avLst/>
+          </a:prstGeom>
+          <a:solidFill>
+            <a:schemeClr val="bg1"/>
+          </a:solidFill>
+          <a:ln>
+            <a:solidFill>
+              <a:schemeClr val="bg1"/>
+            </a:solidFill>
+          </a:ln>
+        </p:spPr>
+        <p:style>
+          <a:lnRef idx="2">
+            <a:schemeClr val="accent1">
+              <a:shade val="50000"/>
+            </a:schemeClr>
+          </a:lnRef>
+          <a:fillRef idx="1">
+            <a:schemeClr val="accent1"/>
+          </a:fillRef>
+          <a:effectRef idx="0">
+            <a:schemeClr val="accent1"/>
+          </a:effectRef>
+          <a:fontRef idx="minor">
+            <a:schemeClr val="lt1"/>
+          </a:fontRef>
+        </p:style>
+        <p:txBody>
+          <a:bodyPr rtlCol="0" anchor="ctr"/>
+          <a:lstStyle/>
+          <a:p>
+            <a:pPr algn="ctr"/>
+            <a:endParaRPr lang="en-US"/>
+          </a:p>
+        </p:txBody>
+      </p:sp>
+      <p:sp>
+        <p:nvSpPr>
+          <p:cNvPr id="15" name="Rectangle 14">
+            <a:extLst>
+              <a:ext uri="{FF2B5EF4-FFF2-40B4-BE49-F238E27FC236}">
+                <a16:creationId xmlns:a16="http://schemas.microsoft.com/office/drawing/2014/main" id="{B06B88A8-D534-41E8-9CBA-6B727F100B53}"/>
+              </a:ext>
+            </a:extLst>
+          </p:cNvPr>
+          <p:cNvSpPr/>
+          <p:nvPr/>
+        </p:nvSpPr>
+        <p:spPr>
+          <a:xfrm>
+            <a:off x="4870017" y="5810450"/>
+            <a:ext cx="433526" cy="266331"/>
+          </a:xfrm>
+          <a:prstGeom prst="rect">
+            <a:avLst/>
+          </a:prstGeom>
+          <a:solidFill>
+            <a:schemeClr val="bg1"/>
+          </a:solidFill>
+          <a:ln>
+            <a:solidFill>
+              <a:schemeClr val="bg1"/>
+            </a:solidFill>
+          </a:ln>
+        </p:spPr>
+        <p:style>
+          <a:lnRef idx="2">
+            <a:schemeClr val="accent1">
+              <a:shade val="50000"/>
+            </a:schemeClr>
+          </a:lnRef>
+          <a:fillRef idx="1">
+            <a:schemeClr val="accent1"/>
+          </a:fillRef>
+          <a:effectRef idx="0">
+            <a:schemeClr val="accent1"/>
+          </a:effectRef>
+          <a:fontRef idx="minor">
+            <a:schemeClr val="lt1"/>
+          </a:fontRef>
+        </p:style>
+        <p:txBody>
+          <a:bodyPr rtlCol="0" anchor="ctr"/>
+          <a:lstStyle/>
+          <a:p>
+            <a:pPr algn="ctr"/>
+            <a:endParaRPr lang="en-US"/>
+          </a:p>
+        </p:txBody>
+      </p:sp>
+      <p:sp>
+        <p:nvSpPr>
+          <p:cNvPr id="2" name="Footer Placeholder 1">
+            <a:extLst>
+              <a:ext uri="{FF2B5EF4-FFF2-40B4-BE49-F238E27FC236}">
+                <a16:creationId xmlns:a16="http://schemas.microsoft.com/office/drawing/2014/main" id="{F64E14E6-4F33-4AFE-BEBC-BAB574EE861A}"/>
+              </a:ext>
+            </a:extLst>
+          </p:cNvPr>
+          <p:cNvSpPr>
+            <a:spLocks noGrp="1"/>
+          </p:cNvSpPr>
+          <p:nvPr>
+            <p:ph type="ftr" sz="quarter" idx="11"/>
+          </p:nvPr>
+        </p:nvSpPr>
+        <p:spPr/>
+        <p:txBody>
+          <a:bodyPr/>
+          <a:lstStyle/>
+          <a:p>
+            <a:r>
+              <a:rPr lang="en-US"/>
+              <a:t>Dr. Nike Dattani, MATH 135, Fall 2021</a:t>
+            </a:r>
+            <a:endParaRPr lang="en-US" dirty="0"/>
+          </a:p>
+        </p:txBody>
+      </p:sp>
+      <p:pic>
+        <p:nvPicPr>
           <p:cNvPr id="16" name="Picture 15">
             <a:extLst>
               <a:ext uri="{FF2B5EF4-FFF2-40B4-BE49-F238E27FC236}">
@@ -5140,7 +6846,7 @@
 </p:sld>
 </file>
 
-<file path=ppt/slides/slide11.xml><?xml version="1.0" encoding="utf-8"?>
+<file path=ppt/slides/slide12.xml><?xml version="1.0" encoding="utf-8"?>
 <p:sld xmlns:a="http://schemas.openxmlformats.org/drawingml/2006/main" xmlns:r="http://schemas.openxmlformats.org/officeDocument/2006/relationships" xmlns:p="http://schemas.openxmlformats.org/presentationml/2006/main">
   <p:cSld>
     <p:spTree>
@@ -5982,7 +7688,7 @@
 </p:sld>
 </file>
 
-<file path=ppt/slides/slide12.xml><?xml version="1.0" encoding="utf-8"?>
+<file path=ppt/slides/slide13.xml><?xml version="1.0" encoding="utf-8"?>
 <p:sld xmlns:a="http://schemas.openxmlformats.org/drawingml/2006/main" xmlns:r="http://schemas.openxmlformats.org/officeDocument/2006/relationships" xmlns:p="http://schemas.openxmlformats.org/presentationml/2006/main">
   <p:cSld>
     <p:spTree>
@@ -6797,7 +8503,7 @@
 </p:sld>
 </file>
 
-<file path=ppt/slides/slide13.xml><?xml version="1.0" encoding="utf-8"?>
+<file path=ppt/slides/slide14.xml><?xml version="1.0" encoding="utf-8"?>
 <p:sld xmlns:a="http://schemas.openxmlformats.org/drawingml/2006/main" xmlns:r="http://schemas.openxmlformats.org/officeDocument/2006/relationships" xmlns:p="http://schemas.openxmlformats.org/presentationml/2006/main">
   <p:cSld>
     <p:spTree>
@@ -10247,7 +11953,7 @@
           <a:p>
             <a:r>
               <a:rPr lang="en-US" dirty="0"/>
-              <a:t>*Note: This is the idea behind Euclid’s proof, but unfortunately set notation wasn’t invented yet, so it was less elegant.</a:t>
+              <a:t>*Note: This is the idea behind Euclid’s proof, but unfortunately modern notation wasn’t invented yet, so it was less elegant.</a:t>
             </a:r>
           </a:p>
           <a:p>
@@ -11727,36 +13433,6 @@
           </a:p>
         </p:txBody>
       </p:sp>
-      <p:pic>
-        <p:nvPicPr>
-          <p:cNvPr id="18" name="Picture 17">
-            <a:extLst>
-              <a:ext uri="{FF2B5EF4-FFF2-40B4-BE49-F238E27FC236}">
-                <a16:creationId xmlns:a16="http://schemas.microsoft.com/office/drawing/2014/main" id="{1FCBACEB-A57E-486A-BD65-F953F5480095}"/>
-              </a:ext>
-            </a:extLst>
-          </p:cNvPr>
-          <p:cNvPicPr>
-            <a:picLocks noChangeAspect="1"/>
-          </p:cNvPicPr>
-          <p:nvPr/>
-        </p:nvPicPr>
-        <p:blipFill>
-          <a:blip r:embed="rId2"/>
-          <a:stretch>
-            <a:fillRect/>
-          </a:stretch>
-        </p:blipFill>
-        <p:spPr>
-          <a:xfrm>
-            <a:off x="-45196" y="0"/>
-            <a:ext cx="12192000" cy="1356637"/>
-          </a:xfrm>
-          <a:prstGeom prst="rect">
-            <a:avLst/>
-          </a:prstGeom>
-        </p:spPr>
-      </p:pic>
       <p:sp>
         <p:nvSpPr>
           <p:cNvPr id="17" name="TextBox 16">
@@ -12475,7 +14151,7 @@
           <p:nvPr/>
         </p:nvPicPr>
         <p:blipFill>
-          <a:blip r:embed="rId3"/>
+          <a:blip r:embed="rId2"/>
           <a:stretch>
             <a:fillRect/>
           </a:stretch>
@@ -12490,10 +14166,40 @@
           </a:prstGeom>
         </p:spPr>
       </p:pic>
+      <p:pic>
+        <p:nvPicPr>
+          <p:cNvPr id="16" name="Picture 15">
+            <a:extLst>
+              <a:ext uri="{FF2B5EF4-FFF2-40B4-BE49-F238E27FC236}">
+                <a16:creationId xmlns:a16="http://schemas.microsoft.com/office/drawing/2014/main" id="{B17D7EAE-1562-4A98-BD24-94F8C8DF16F1}"/>
+              </a:ext>
+            </a:extLst>
+          </p:cNvPr>
+          <p:cNvPicPr>
+            <a:picLocks noChangeAspect="1"/>
+          </p:cNvPicPr>
+          <p:nvPr/>
+        </p:nvPicPr>
+        <p:blipFill>
+          <a:blip r:embed="rId3"/>
+          <a:stretch>
+            <a:fillRect/>
+          </a:stretch>
+        </p:blipFill>
+        <p:spPr>
+          <a:xfrm>
+            <a:off x="0" y="464689"/>
+            <a:ext cx="12192000" cy="5878514"/>
+          </a:xfrm>
+          <a:prstGeom prst="rect">
+            <a:avLst/>
+          </a:prstGeom>
+        </p:spPr>
+      </p:pic>
     </p:spTree>
     <p:extLst>
       <p:ext uri="{BB962C8B-B14F-4D97-AF65-F5344CB8AC3E}">
-        <p14:creationId xmlns:p14="http://schemas.microsoft.com/office/powerpoint/2010/main" val="4147379381"/>
+        <p14:creationId xmlns:p14="http://schemas.microsoft.com/office/powerpoint/2010/main" val="3789181645"/>
       </p:ext>
     </p:extLst>
   </p:cSld>
